--- a/ppts/Topic 9 Over-dispersion and zero-inflation.pptx
+++ b/ppts/Topic 9 Over-dispersion and zero-inflation.pptx
@@ -342,7 +342,7 @@
           <a:p>
             <a:fld id="{F3A5C36C-4AD1-4368-83A4-9559EE6EF9BD}" type="datetimeFigureOut">
               <a:rPr lang="en-CA" smtClean="0"/>
-              <a:t>16/02/2018</a:t>
+              <a:t>19/02/2018</a:t>
             </a:fld>
             <a:endParaRPr lang="en-CA"/>
           </a:p>
@@ -526,7 +526,7 @@
           <a:p>
             <a:fld id="{F3A5C36C-4AD1-4368-83A4-9559EE6EF9BD}" type="datetimeFigureOut">
               <a:rPr lang="en-CA" smtClean="0"/>
-              <a:t>16/02/2018</a:t>
+              <a:t>19/02/2018</a:t>
             </a:fld>
             <a:endParaRPr lang="en-CA"/>
           </a:p>
@@ -716,7 +716,7 @@
           <a:p>
             <a:fld id="{F3A5C36C-4AD1-4368-83A4-9559EE6EF9BD}" type="datetimeFigureOut">
               <a:rPr lang="en-CA" smtClean="0"/>
-              <a:t>16/02/2018</a:t>
+              <a:t>19/02/2018</a:t>
             </a:fld>
             <a:endParaRPr lang="en-CA"/>
           </a:p>
@@ -896,7 +896,7 @@
           <a:p>
             <a:fld id="{F3A5C36C-4AD1-4368-83A4-9559EE6EF9BD}" type="datetimeFigureOut">
               <a:rPr lang="en-CA" smtClean="0"/>
-              <a:t>16/02/2018</a:t>
+              <a:t>19/02/2018</a:t>
             </a:fld>
             <a:endParaRPr lang="en-CA"/>
           </a:p>
@@ -1161,7 +1161,7 @@
           <a:p>
             <a:fld id="{F3A5C36C-4AD1-4368-83A4-9559EE6EF9BD}" type="datetimeFigureOut">
               <a:rPr lang="en-CA" smtClean="0"/>
-              <a:t>16/02/2018</a:t>
+              <a:t>19/02/2018</a:t>
             </a:fld>
             <a:endParaRPr lang="en-CA"/>
           </a:p>
@@ -1443,7 +1443,7 @@
           <a:p>
             <a:fld id="{F3A5C36C-4AD1-4368-83A4-9559EE6EF9BD}" type="datetimeFigureOut">
               <a:rPr lang="en-CA" smtClean="0"/>
-              <a:t>16/02/2018</a:t>
+              <a:t>19/02/2018</a:t>
             </a:fld>
             <a:endParaRPr lang="en-CA"/>
           </a:p>
@@ -1835,7 +1835,7 @@
           <a:p>
             <a:fld id="{F3A5C36C-4AD1-4368-83A4-9559EE6EF9BD}" type="datetimeFigureOut">
               <a:rPr lang="en-CA" smtClean="0"/>
-              <a:t>16/02/2018</a:t>
+              <a:t>19/02/2018</a:t>
             </a:fld>
             <a:endParaRPr lang="en-CA"/>
           </a:p>
@@ -2001,7 +2001,7 @@
           <a:p>
             <a:fld id="{F3A5C36C-4AD1-4368-83A4-9559EE6EF9BD}" type="datetimeFigureOut">
               <a:rPr lang="en-CA" smtClean="0"/>
-              <a:t>16/02/2018</a:t>
+              <a:t>19/02/2018</a:t>
             </a:fld>
             <a:endParaRPr lang="en-CA"/>
           </a:p>
@@ -2108,7 +2108,7 @@
           <a:p>
             <a:fld id="{F3A5C36C-4AD1-4368-83A4-9559EE6EF9BD}" type="datetimeFigureOut">
               <a:rPr lang="en-CA" smtClean="0"/>
-              <a:t>16/02/2018</a:t>
+              <a:t>19/02/2018</a:t>
             </a:fld>
             <a:endParaRPr lang="en-CA"/>
           </a:p>
@@ -2384,7 +2384,7 @@
           <a:p>
             <a:fld id="{F3A5C36C-4AD1-4368-83A4-9559EE6EF9BD}" type="datetimeFigureOut">
               <a:rPr lang="en-CA" smtClean="0"/>
-              <a:t>16/02/2018</a:t>
+              <a:t>19/02/2018</a:t>
             </a:fld>
             <a:endParaRPr lang="en-CA"/>
           </a:p>
@@ -2993,7 +2993,7 @@
           <a:p>
             <a:fld id="{F3A5C36C-4AD1-4368-83A4-9559EE6EF9BD}" type="datetimeFigureOut">
               <a:rPr lang="en-CA" smtClean="0"/>
-              <a:t>16/02/2018</a:t>
+              <a:t>19/02/2018</a:t>
             </a:fld>
             <a:endParaRPr lang="en-CA"/>
           </a:p>
@@ -3529,7 +3529,7 @@
           <a:p>
             <a:fld id="{F3A5C36C-4AD1-4368-83A4-9559EE6EF9BD}" type="datetimeFigureOut">
               <a:rPr lang="en-CA" smtClean="0"/>
-              <a:t>16/02/2018</a:t>
+              <a:t>19/02/2018</a:t>
             </a:fld>
             <a:endParaRPr lang="en-CA"/>
           </a:p>
@@ -4362,20 +4362,25 @@
             <p:ph type="title"/>
           </p:nvPr>
         </p:nvSpPr>
-        <p:spPr/>
+        <p:spPr>
+          <a:xfrm>
+            <a:off x="395536" y="1196752"/>
+            <a:ext cx="8229600" cy="1143000"/>
+          </a:xfrm>
+        </p:spPr>
         <p:txBody>
           <a:bodyPr/>
           <a:lstStyle/>
           <a:p>
             <a:r>
-              <a:rPr lang="en-CA" dirty="0"/>
+              <a:rPr lang="en-CA" b="1" dirty="0"/>
               <a:t>Other GLM’s and </a:t>
             </a:r>
             <a:r>
-              <a:rPr lang="en-CA" dirty="0" err="1"/>
+              <a:rPr lang="en-CA" b="1" dirty="0" err="1"/>
               <a:t>overdispersion</a:t>
             </a:r>
-            <a:endParaRPr lang="en-CA" dirty="0"/>
+            <a:endParaRPr lang="en-CA" b="1" dirty="0"/>
           </a:p>
         </p:txBody>
       </p:sp>
@@ -4389,7 +4394,12 @@
             <p:ph idx="1"/>
           </p:nvPr>
         </p:nvSpPr>
-        <p:spPr/>
+        <p:spPr>
+          <a:xfrm>
+            <a:off x="395536" y="2427065"/>
+            <a:ext cx="8229600" cy="4389437"/>
+          </a:xfrm>
+        </p:spPr>
         <p:txBody>
           <a:bodyPr/>
           <a:lstStyle/>
@@ -4433,7 +4443,7 @@
         </p:blipFill>
         <p:spPr>
           <a:xfrm>
-            <a:off x="4779232" y="1484784"/>
+            <a:off x="4860032" y="2636912"/>
             <a:ext cx="4032448" cy="3888432"/>
           </a:xfrm>
           <a:prstGeom prst="rect">
@@ -4494,14 +4504,14 @@
           <a:lstStyle/>
           <a:p>
             <a:r>
-              <a:rPr lang="en-CA" dirty="0"/>
+              <a:rPr lang="en-CA" b="1" dirty="0"/>
               <a:t>Test which distribution fits </a:t>
             </a:r>
             <a:br>
-              <a:rPr lang="en-CA" dirty="0"/>
+              <a:rPr lang="en-CA" b="1" dirty="0"/>
             </a:br>
             <a:r>
-              <a:rPr lang="en-CA" dirty="0"/>
+              <a:rPr lang="en-CA" b="1" dirty="0"/>
               <a:t>the data best</a:t>
             </a:r>
           </a:p>
@@ -4521,7 +4531,7 @@
             </p:nvSpPr>
             <p:spPr>
               <a:xfrm>
-                <a:off x="457200" y="1600200"/>
+                <a:off x="457200" y="1858094"/>
                 <a:ext cx="8229600" cy="4925144"/>
               </a:xfrm>
             </p:spPr>
@@ -4938,13 +4948,13 @@
             </p:nvSpPr>
             <p:spPr>
               <a:xfrm>
-                <a:off x="457200" y="1600200"/>
+                <a:off x="457200" y="1858094"/>
                 <a:ext cx="8229600" cy="4925144"/>
               </a:xfrm>
               <a:blipFill>
                 <a:blip r:embed="rId2"/>
                 <a:stretch>
-                  <a:fillRect l="-296" t="-1735" r="-74"/>
+                  <a:fillRect l="-296" t="-1733" r="-74"/>
                 </a:stretch>
               </a:blipFill>
             </p:spPr>
@@ -5003,7 +5013,12 @@
             <p:ph type="title"/>
           </p:nvPr>
         </p:nvSpPr>
-        <p:spPr/>
+        <p:spPr>
+          <a:xfrm>
+            <a:off x="428146" y="0"/>
+            <a:ext cx="8229600" cy="1143000"/>
+          </a:xfrm>
+        </p:spPr>
         <p:txBody>
           <a:bodyPr>
             <a:normAutofit/>
@@ -5011,7 +5026,7 @@
           <a:lstStyle/>
           <a:p>
             <a:r>
-              <a:rPr lang="en-CA" dirty="0"/>
+              <a:rPr lang="en-CA" b="1" dirty="0"/>
               <a:t>Results</a:t>
             </a:r>
           </a:p>
@@ -5188,13 +5203,13 @@
           <p:nvPr>
             <p:extLst>
               <p:ext uri="{D42A27DB-BD31-4B8C-83A1-F6EECF244321}">
-                <p14:modId xmlns:p14="http://schemas.microsoft.com/office/powerpoint/2010/main" val="1454483700"/>
+                <p14:modId xmlns:p14="http://schemas.microsoft.com/office/powerpoint/2010/main" val="724748327"/>
               </p:ext>
             </p:extLst>
           </p:nvPr>
         </p:nvGraphicFramePr>
         <p:xfrm>
-          <a:off x="2123728" y="1279018"/>
+          <a:off x="971600" y="1268760"/>
           <a:ext cx="6192686" cy="1818985"/>
         </p:xfrm>
         <a:graphic>
@@ -5489,12 +5504,12 @@
                     <a:p>
                       <a:pPr algn="ctr" fontAlgn="b"/>
                       <a:r>
-                        <a:rPr lang="en-CA" sz="1400" b="1" u="none" strike="noStrike">
+                        <a:rPr lang="en-CA" sz="1400" b="1" u="none" strike="noStrike" dirty="0">
                           <a:effectLst/>
                         </a:rPr>
                         <a:t>Poisson</a:t>
                       </a:r>
-                      <a:endParaRPr lang="en-CA" sz="1400" b="1" i="0" u="none" strike="noStrike">
+                      <a:endParaRPr lang="en-CA" sz="1400" b="1" i="0" u="none" strike="noStrike" dirty="0">
                         <a:solidFill>
                           <a:srgbClr val="000000"/>
                         </a:solidFill>
@@ -6159,14 +6174,14 @@
           <a:p>
             <a:pPr algn="l"/>
             <a:r>
-              <a:rPr lang="en-US" sz="3600" dirty="0" err="1"/>
+              <a:rPr lang="en-US" sz="3600" b="1" dirty="0" err="1"/>
               <a:t>Multiscale</a:t>
             </a:r>
             <a:r>
-              <a:rPr lang="en-US" sz="3600" dirty="0"/>
+              <a:rPr lang="en-US" sz="3600" b="1" dirty="0"/>
               <a:t> highway effects on a large mammal community</a:t>
             </a:r>
-            <a:endParaRPr lang="de-AT" sz="3600" dirty="0"/>
+            <a:endParaRPr lang="de-AT" sz="3600" b="1" dirty="0"/>
           </a:p>
         </p:txBody>
       </p:sp>
@@ -6664,7 +6679,7 @@
           <a:lstStyle/>
           <a:p>
             <a:r>
-              <a:rPr lang="en-CA" dirty="0"/>
+              <a:rPr lang="en-CA" b="1" dirty="0"/>
               <a:t>Analysis</a:t>
             </a:r>
           </a:p>

--- a/ppts/Topic 9 Over-dispersion and zero-inflation.pptx
+++ b/ppts/Topic 9 Over-dispersion and zero-inflation.pptx
@@ -4517,8 +4517,8 @@
           </a:p>
         </p:txBody>
       </p:sp>
-      <mc:AlternateContent xmlns:mc="http://schemas.openxmlformats.org/markup-compatibility/2006">
-        <mc:Choice xmlns:a14="http://schemas.microsoft.com/office/drawing/2010/main" Requires="a14">
+      <mc:AlternateContent xmlns:mc="http://schemas.openxmlformats.org/markup-compatibility/2006" xmlns:a14="http://schemas.microsoft.com/office/drawing/2010/main">
+        <mc:Choice Requires="a14">
           <p:sp>
             <p:nvSpPr>
               <p:cNvPr id="3" name="Content Placeholder 2"/>
@@ -4935,7 +4935,7 @@
             </p:txBody>
           </p:sp>
         </mc:Choice>
-        <mc:Fallback>
+        <mc:Fallback xmlns="">
           <p:sp>
             <p:nvSpPr>
               <p:cNvPr id="3" name="Content Placeholder 2"/>
@@ -4983,6 +4983,421 @@
   <p:clrMapOvr>
     <a:masterClrMapping/>
   </p:clrMapOvr>
+  <p:timing>
+    <p:tnLst>
+      <p:par>
+        <p:cTn id="1" dur="indefinite" restart="never" nodeType="tmRoot">
+          <p:childTnLst>
+            <p:seq concurrent="1" nextAc="seek">
+              <p:cTn id="2" dur="indefinite" nodeType="mainSeq">
+                <p:childTnLst>
+                  <p:par>
+                    <p:cTn id="3" fill="hold">
+                      <p:stCondLst>
+                        <p:cond delay="indefinite"/>
+                      </p:stCondLst>
+                      <p:childTnLst>
+                        <p:par>
+                          <p:cTn id="4" fill="hold">
+                            <p:stCondLst>
+                              <p:cond delay="0"/>
+                            </p:stCondLst>
+                            <p:childTnLst>
+                              <p:par>
+                                <p:cTn id="5" presetID="1" presetClass="entr" presetSubtype="0" fill="hold" grpId="0" nodeType="clickEffect">
+                                  <p:stCondLst>
+                                    <p:cond delay="0"/>
+                                  </p:stCondLst>
+                                  <p:childTnLst>
+                                    <p:set>
+                                      <p:cBhvr>
+                                        <p:cTn id="6" dur="1" fill="hold">
+                                          <p:stCondLst>
+                                            <p:cond delay="0"/>
+                                          </p:stCondLst>
+                                        </p:cTn>
+                                        <p:tgtEl>
+                                          <p:spTgt spid="3">
+                                            <p:txEl>
+                                              <p:pRg st="0" end="0"/>
+                                            </p:txEl>
+                                          </p:spTgt>
+                                        </p:tgtEl>
+                                        <p:attrNameLst>
+                                          <p:attrName>style.visibility</p:attrName>
+                                        </p:attrNameLst>
+                                      </p:cBhvr>
+                                      <p:to>
+                                        <p:strVal val="visible"/>
+                                      </p:to>
+                                    </p:set>
+                                  </p:childTnLst>
+                                </p:cTn>
+                              </p:par>
+                            </p:childTnLst>
+                          </p:cTn>
+                        </p:par>
+                      </p:childTnLst>
+                    </p:cTn>
+                  </p:par>
+                  <p:par>
+                    <p:cTn id="7" fill="hold">
+                      <p:stCondLst>
+                        <p:cond delay="indefinite"/>
+                      </p:stCondLst>
+                      <p:childTnLst>
+                        <p:par>
+                          <p:cTn id="8" fill="hold">
+                            <p:stCondLst>
+                              <p:cond delay="0"/>
+                            </p:stCondLst>
+                            <p:childTnLst>
+                              <p:par>
+                                <p:cTn id="9" presetID="1" presetClass="entr" presetSubtype="0" fill="hold" grpId="0" nodeType="clickEffect">
+                                  <p:stCondLst>
+                                    <p:cond delay="0"/>
+                                  </p:stCondLst>
+                                  <p:childTnLst>
+                                    <p:set>
+                                      <p:cBhvr>
+                                        <p:cTn id="10" dur="1" fill="hold">
+                                          <p:stCondLst>
+                                            <p:cond delay="0"/>
+                                          </p:stCondLst>
+                                        </p:cTn>
+                                        <p:tgtEl>
+                                          <p:spTgt spid="3">
+                                            <p:txEl>
+                                              <p:pRg st="2" end="2"/>
+                                            </p:txEl>
+                                          </p:spTgt>
+                                        </p:tgtEl>
+                                        <p:attrNameLst>
+                                          <p:attrName>style.visibility</p:attrName>
+                                        </p:attrNameLst>
+                                      </p:cBhvr>
+                                      <p:to>
+                                        <p:strVal val="visible"/>
+                                      </p:to>
+                                    </p:set>
+                                  </p:childTnLst>
+                                </p:cTn>
+                              </p:par>
+                            </p:childTnLst>
+                          </p:cTn>
+                        </p:par>
+                      </p:childTnLst>
+                    </p:cTn>
+                  </p:par>
+                  <p:par>
+                    <p:cTn id="11" fill="hold">
+                      <p:stCondLst>
+                        <p:cond delay="indefinite"/>
+                      </p:stCondLst>
+                      <p:childTnLst>
+                        <p:par>
+                          <p:cTn id="12" fill="hold">
+                            <p:stCondLst>
+                              <p:cond delay="0"/>
+                            </p:stCondLst>
+                            <p:childTnLst>
+                              <p:par>
+                                <p:cTn id="13" presetID="1" presetClass="entr" presetSubtype="0" fill="hold" grpId="0" nodeType="clickEffect">
+                                  <p:stCondLst>
+                                    <p:cond delay="0"/>
+                                  </p:stCondLst>
+                                  <p:childTnLst>
+                                    <p:set>
+                                      <p:cBhvr>
+                                        <p:cTn id="14" dur="1" fill="hold">
+                                          <p:stCondLst>
+                                            <p:cond delay="0"/>
+                                          </p:stCondLst>
+                                        </p:cTn>
+                                        <p:tgtEl>
+                                          <p:spTgt spid="3">
+                                            <p:txEl>
+                                              <p:pRg st="4" end="4"/>
+                                            </p:txEl>
+                                          </p:spTgt>
+                                        </p:tgtEl>
+                                        <p:attrNameLst>
+                                          <p:attrName>style.visibility</p:attrName>
+                                        </p:attrNameLst>
+                                      </p:cBhvr>
+                                      <p:to>
+                                        <p:strVal val="visible"/>
+                                      </p:to>
+                                    </p:set>
+                                  </p:childTnLst>
+                                </p:cTn>
+                              </p:par>
+                              <p:par>
+                                <p:cTn id="15" presetID="1" presetClass="entr" presetSubtype="0" fill="hold" grpId="0" nodeType="withEffect">
+                                  <p:stCondLst>
+                                    <p:cond delay="0"/>
+                                  </p:stCondLst>
+                                  <p:childTnLst>
+                                    <p:set>
+                                      <p:cBhvr>
+                                        <p:cTn id="16" dur="1" fill="hold">
+                                          <p:stCondLst>
+                                            <p:cond delay="0"/>
+                                          </p:stCondLst>
+                                        </p:cTn>
+                                        <p:tgtEl>
+                                          <p:spTgt spid="3">
+                                            <p:txEl>
+                                              <p:pRg st="5" end="5"/>
+                                            </p:txEl>
+                                          </p:spTgt>
+                                        </p:tgtEl>
+                                        <p:attrNameLst>
+                                          <p:attrName>style.visibility</p:attrName>
+                                        </p:attrNameLst>
+                                      </p:cBhvr>
+                                      <p:to>
+                                        <p:strVal val="visible"/>
+                                      </p:to>
+                                    </p:set>
+                                  </p:childTnLst>
+                                </p:cTn>
+                              </p:par>
+                              <p:par>
+                                <p:cTn id="17" presetID="1" presetClass="entr" presetSubtype="0" fill="hold" grpId="0" nodeType="withEffect">
+                                  <p:stCondLst>
+                                    <p:cond delay="0"/>
+                                  </p:stCondLst>
+                                  <p:childTnLst>
+                                    <p:set>
+                                      <p:cBhvr>
+                                        <p:cTn id="18" dur="1" fill="hold">
+                                          <p:stCondLst>
+                                            <p:cond delay="0"/>
+                                          </p:stCondLst>
+                                        </p:cTn>
+                                        <p:tgtEl>
+                                          <p:spTgt spid="3">
+                                            <p:txEl>
+                                              <p:pRg st="6" end="6"/>
+                                            </p:txEl>
+                                          </p:spTgt>
+                                        </p:tgtEl>
+                                        <p:attrNameLst>
+                                          <p:attrName>style.visibility</p:attrName>
+                                        </p:attrNameLst>
+                                      </p:cBhvr>
+                                      <p:to>
+                                        <p:strVal val="visible"/>
+                                      </p:to>
+                                    </p:set>
+                                  </p:childTnLst>
+                                </p:cTn>
+                              </p:par>
+                              <p:par>
+                                <p:cTn id="19" presetID="1" presetClass="entr" presetSubtype="0" fill="hold" grpId="0" nodeType="withEffect">
+                                  <p:stCondLst>
+                                    <p:cond delay="0"/>
+                                  </p:stCondLst>
+                                  <p:childTnLst>
+                                    <p:set>
+                                      <p:cBhvr>
+                                        <p:cTn id="20" dur="1" fill="hold">
+                                          <p:stCondLst>
+                                            <p:cond delay="0"/>
+                                          </p:stCondLst>
+                                        </p:cTn>
+                                        <p:tgtEl>
+                                          <p:spTgt spid="3">
+                                            <p:txEl>
+                                              <p:pRg st="7" end="7"/>
+                                            </p:txEl>
+                                          </p:spTgt>
+                                        </p:tgtEl>
+                                        <p:attrNameLst>
+                                          <p:attrName>style.visibility</p:attrName>
+                                        </p:attrNameLst>
+                                      </p:cBhvr>
+                                      <p:to>
+                                        <p:strVal val="visible"/>
+                                      </p:to>
+                                    </p:set>
+                                  </p:childTnLst>
+                                </p:cTn>
+                              </p:par>
+                            </p:childTnLst>
+                          </p:cTn>
+                        </p:par>
+                      </p:childTnLst>
+                    </p:cTn>
+                  </p:par>
+                  <p:par>
+                    <p:cTn id="21" fill="hold">
+                      <p:stCondLst>
+                        <p:cond delay="indefinite"/>
+                      </p:stCondLst>
+                      <p:childTnLst>
+                        <p:par>
+                          <p:cTn id="22" fill="hold">
+                            <p:stCondLst>
+                              <p:cond delay="0"/>
+                            </p:stCondLst>
+                            <p:childTnLst>
+                              <p:par>
+                                <p:cTn id="23" presetID="1" presetClass="entr" presetSubtype="0" fill="hold" grpId="0" nodeType="clickEffect">
+                                  <p:stCondLst>
+                                    <p:cond delay="0"/>
+                                  </p:stCondLst>
+                                  <p:childTnLst>
+                                    <p:set>
+                                      <p:cBhvr>
+                                        <p:cTn id="24" dur="1" fill="hold">
+                                          <p:stCondLst>
+                                            <p:cond delay="0"/>
+                                          </p:stCondLst>
+                                        </p:cTn>
+                                        <p:tgtEl>
+                                          <p:spTgt spid="3">
+                                            <p:txEl>
+                                              <p:pRg st="9" end="9"/>
+                                            </p:txEl>
+                                          </p:spTgt>
+                                        </p:tgtEl>
+                                        <p:attrNameLst>
+                                          <p:attrName>style.visibility</p:attrName>
+                                        </p:attrNameLst>
+                                      </p:cBhvr>
+                                      <p:to>
+                                        <p:strVal val="visible"/>
+                                      </p:to>
+                                    </p:set>
+                                  </p:childTnLst>
+                                </p:cTn>
+                              </p:par>
+                              <p:par>
+                                <p:cTn id="25" presetID="1" presetClass="entr" presetSubtype="0" fill="hold" grpId="0" nodeType="withEffect">
+                                  <p:stCondLst>
+                                    <p:cond delay="0"/>
+                                  </p:stCondLst>
+                                  <p:childTnLst>
+                                    <p:set>
+                                      <p:cBhvr>
+                                        <p:cTn id="26" dur="1" fill="hold">
+                                          <p:stCondLst>
+                                            <p:cond delay="0"/>
+                                          </p:stCondLst>
+                                        </p:cTn>
+                                        <p:tgtEl>
+                                          <p:spTgt spid="3">
+                                            <p:txEl>
+                                              <p:pRg st="10" end="10"/>
+                                            </p:txEl>
+                                          </p:spTgt>
+                                        </p:tgtEl>
+                                        <p:attrNameLst>
+                                          <p:attrName>style.visibility</p:attrName>
+                                        </p:attrNameLst>
+                                      </p:cBhvr>
+                                      <p:to>
+                                        <p:strVal val="visible"/>
+                                      </p:to>
+                                    </p:set>
+                                  </p:childTnLst>
+                                </p:cTn>
+                              </p:par>
+                              <p:par>
+                                <p:cTn id="27" presetID="1" presetClass="entr" presetSubtype="0" fill="hold" grpId="0" nodeType="withEffect">
+                                  <p:stCondLst>
+                                    <p:cond delay="0"/>
+                                  </p:stCondLst>
+                                  <p:childTnLst>
+                                    <p:set>
+                                      <p:cBhvr>
+                                        <p:cTn id="28" dur="1" fill="hold">
+                                          <p:stCondLst>
+                                            <p:cond delay="0"/>
+                                          </p:stCondLst>
+                                        </p:cTn>
+                                        <p:tgtEl>
+                                          <p:spTgt spid="3">
+                                            <p:txEl>
+                                              <p:pRg st="12" end="12"/>
+                                            </p:txEl>
+                                          </p:spTgt>
+                                        </p:tgtEl>
+                                        <p:attrNameLst>
+                                          <p:attrName>style.visibility</p:attrName>
+                                        </p:attrNameLst>
+                                      </p:cBhvr>
+                                      <p:to>
+                                        <p:strVal val="visible"/>
+                                      </p:to>
+                                    </p:set>
+                                  </p:childTnLst>
+                                </p:cTn>
+                              </p:par>
+                              <p:par>
+                                <p:cTn id="29" presetID="1" presetClass="entr" presetSubtype="0" fill="hold" grpId="0" nodeType="withEffect">
+                                  <p:stCondLst>
+                                    <p:cond delay="0"/>
+                                  </p:stCondLst>
+                                  <p:childTnLst>
+                                    <p:set>
+                                      <p:cBhvr>
+                                        <p:cTn id="30" dur="1" fill="hold">
+                                          <p:stCondLst>
+                                            <p:cond delay="0"/>
+                                          </p:stCondLst>
+                                        </p:cTn>
+                                        <p:tgtEl>
+                                          <p:spTgt spid="3">
+                                            <p:txEl>
+                                              <p:pRg st="13" end="13"/>
+                                            </p:txEl>
+                                          </p:spTgt>
+                                        </p:tgtEl>
+                                        <p:attrNameLst>
+                                          <p:attrName>style.visibility</p:attrName>
+                                        </p:attrNameLst>
+                                      </p:cBhvr>
+                                      <p:to>
+                                        <p:strVal val="visible"/>
+                                      </p:to>
+                                    </p:set>
+                                  </p:childTnLst>
+                                </p:cTn>
+                              </p:par>
+                            </p:childTnLst>
+                          </p:cTn>
+                        </p:par>
+                      </p:childTnLst>
+                    </p:cTn>
+                  </p:par>
+                </p:childTnLst>
+              </p:cTn>
+              <p:prevCondLst>
+                <p:cond evt="onPrev" delay="0">
+                  <p:tgtEl>
+                    <p:sldTgt/>
+                  </p:tgtEl>
+                </p:cond>
+              </p:prevCondLst>
+              <p:nextCondLst>
+                <p:cond evt="onNext" delay="0">
+                  <p:tgtEl>
+                    <p:sldTgt/>
+                  </p:tgtEl>
+                </p:cond>
+              </p:nextCondLst>
+            </p:seq>
+          </p:childTnLst>
+        </p:cTn>
+      </p:par>
+    </p:tnLst>
+    <p:bldLst>
+      <p:bldP spid="3" grpId="0" uiExpand="1" build="p"/>
+    </p:bldLst>
+  </p:timing>
 </p:sld>
 </file>
 
